--- a/UML-ДИАГРАММЫ.pptx
+++ b/UML-ДИАГРАММЫ.pptx
@@ -1339,7 +1339,7 @@
             <a:fld id="{9334D819-9F07-4261-B09B-9E467E5D9002}" type="datetimeFigureOut">
               <a:rPr lang="en-US" dirty="0"/>
               <a:pPr/>
-              <a:t>11/12/2025</a:t>
+              <a:t>11/13/2025</a:t>
             </a:fld>
             <a:endParaRPr lang="en-US" dirty="0"/>
           </a:p>
@@ -1580,7 +1580,7 @@
           <a:p>
             <a:fld id="{9334D819-9F07-4261-B09B-9E467E5D9002}" type="datetimeFigureOut">
               <a:rPr lang="en-US" dirty="0"/>
-              <a:t>11/12/2025</a:t>
+              <a:t>11/13/2025</a:t>
             </a:fld>
             <a:endParaRPr lang="en-US" dirty="0"/>
           </a:p>
@@ -1755,7 +1755,7 @@
           <a:p>
             <a:fld id="{9334D819-9F07-4261-B09B-9E467E5D9002}" type="datetimeFigureOut">
               <a:rPr lang="en-US" dirty="0"/>
-              <a:t>11/12/2025</a:t>
+              <a:t>11/13/2025</a:t>
             </a:fld>
             <a:endParaRPr lang="en-US" dirty="0"/>
           </a:p>
@@ -1920,7 +1920,7 @@
           <a:p>
             <a:fld id="{9334D819-9F07-4261-B09B-9E467E5D9002}" type="datetimeFigureOut">
               <a:rPr lang="en-US" dirty="0"/>
-              <a:t>11/12/2025</a:t>
+              <a:t>11/13/2025</a:t>
             </a:fld>
             <a:endParaRPr lang="en-US" dirty="0"/>
           </a:p>
@@ -2192,7 +2192,7 @@
             <a:fld id="{9334D819-9F07-4261-B09B-9E467E5D9002}" type="datetimeFigureOut">
               <a:rPr lang="en-US" dirty="0"/>
               <a:pPr/>
-              <a:t>11/12/2025</a:t>
+              <a:t>11/13/2025</a:t>
             </a:fld>
             <a:endParaRPr lang="en-US" dirty="0"/>
           </a:p>
@@ -3403,7 +3403,7 @@
           <a:p>
             <a:fld id="{9334D819-9F07-4261-B09B-9E467E5D9002}" type="datetimeFigureOut">
               <a:rPr lang="en-US" dirty="0"/>
-              <a:t>11/12/2025</a:t>
+              <a:t>11/13/2025</a:t>
             </a:fld>
             <a:endParaRPr lang="en-US" dirty="0"/>
           </a:p>
@@ -3788,7 +3788,7 @@
           <a:p>
             <a:fld id="{9334D819-9F07-4261-B09B-9E467E5D9002}" type="datetimeFigureOut">
               <a:rPr lang="en-US" dirty="0"/>
-              <a:t>11/12/2025</a:t>
+              <a:t>11/13/2025</a:t>
             </a:fld>
             <a:endParaRPr lang="en-US" dirty="0"/>
           </a:p>
@@ -3906,7 +3906,7 @@
           <a:p>
             <a:fld id="{9334D819-9F07-4261-B09B-9E467E5D9002}" type="datetimeFigureOut">
               <a:rPr lang="en-US" dirty="0"/>
-              <a:t>11/12/2025</a:t>
+              <a:t>11/13/2025</a:t>
             </a:fld>
             <a:endParaRPr lang="en-US" dirty="0"/>
           </a:p>
@@ -3996,7 +3996,7 @@
           <a:p>
             <a:fld id="{9334D819-9F07-4261-B09B-9E467E5D9002}" type="datetimeFigureOut">
               <a:rPr lang="en-US" dirty="0"/>
-              <a:t>11/12/2025</a:t>
+              <a:t>11/13/2025</a:t>
             </a:fld>
             <a:endParaRPr lang="en-US" dirty="0"/>
           </a:p>
@@ -4761,7 +4761,7 @@
           <a:p>
             <a:fld id="{9334D819-9F07-4261-B09B-9E467E5D9002}" type="datetimeFigureOut">
               <a:rPr lang="en-US" dirty="0"/>
-              <a:t>11/12/2025</a:t>
+              <a:t>11/13/2025</a:t>
             </a:fld>
             <a:endParaRPr lang="en-US" dirty="0"/>
           </a:p>
@@ -5617,7 +5617,7 @@
           <a:p>
             <a:fld id="{9334D819-9F07-4261-B09B-9E467E5D9002}" type="datetimeFigureOut">
               <a:rPr lang="en-US" dirty="0"/>
-              <a:t>11/12/2025</a:t>
+              <a:t>11/13/2025</a:t>
             </a:fld>
             <a:endParaRPr lang="en-US" dirty="0"/>
           </a:p>
@@ -5840,7 +5840,7 @@
             <a:fld id="{9334D819-9F07-4261-B09B-9E467E5D9002}" type="datetimeFigureOut">
               <a:rPr lang="en-US" dirty="0"/>
               <a:pPr/>
-              <a:t>11/12/2025</a:t>
+              <a:t>11/13/2025</a:t>
             </a:fld>
             <a:endParaRPr lang="en-US" dirty="0"/>
           </a:p>
@@ -7417,7 +7417,7 @@
           <a:p>
             <a:r>
               <a:rPr lang="ru-RU" dirty="0"/>
-              <a:t>Диаграмма последовательности</a:t>
+              <a:t>Диаграмма последовательности офлайн</a:t>
             </a:r>
           </a:p>
         </p:txBody>
